--- a/Fraud Analytics Dashboard.pptx
+++ b/Fraud Analytics Dashboard.pptx
@@ -3676,10 +3676,10 @@
       </p:grpSpPr>
       <p:pic>
         <p:nvPicPr>
-          <p:cNvPr id="6" name="Picture 5">
-            <a:extLst>
-              <a:ext uri="{FF2B5EF4-FFF2-40B4-BE49-F238E27FC236}">
-                <a16:creationId xmlns:a16="http://schemas.microsoft.com/office/drawing/2014/main" id="{470CF664-3F6B-816A-7875-33F9E3B20555}"/>
+          <p:cNvPr id="3" name="Picture 2">
+            <a:extLst>
+              <a:ext uri="{FF2B5EF4-FFF2-40B4-BE49-F238E27FC236}">
+                <a16:creationId xmlns:a16="http://schemas.microsoft.com/office/drawing/2014/main" id="{E797BAD5-AAE7-9D4E-9670-880DDC445EC1}"/>
               </a:ext>
             </a:extLst>
           </p:cNvPr>
@@ -3696,8 +3696,8 @@
         </p:blipFill>
         <p:spPr>
           <a:xfrm>
-            <a:off x="704088" y="486421"/>
-            <a:ext cx="10753344" cy="5916559"/>
+            <a:off x="960120" y="658127"/>
+            <a:ext cx="10533888" cy="5815122"/>
           </a:xfrm>
           <a:prstGeom prst="rect">
             <a:avLst/>
@@ -3814,10 +3814,10 @@
       </p:sp>
       <p:pic>
         <p:nvPicPr>
-          <p:cNvPr id="5" name="Picture 4">
-            <a:extLst>
-              <a:ext uri="{FF2B5EF4-FFF2-40B4-BE49-F238E27FC236}">
-                <a16:creationId xmlns:a16="http://schemas.microsoft.com/office/drawing/2014/main" id="{CD30F3A4-1661-F4A0-B3F3-9862101A4E23}"/>
+          <p:cNvPr id="7" name="Picture 6">
+            <a:extLst>
+              <a:ext uri="{FF2B5EF4-FFF2-40B4-BE49-F238E27FC236}">
+                <a16:creationId xmlns:a16="http://schemas.microsoft.com/office/drawing/2014/main" id="{61891D67-75E6-C856-3AFD-1D4E1CED6F26}"/>
               </a:ext>
             </a:extLst>
           </p:cNvPr>
@@ -3834,8 +3834,8 @@
         </p:blipFill>
         <p:spPr>
           <a:xfrm>
-            <a:off x="838200" y="3022535"/>
-            <a:ext cx="4901915" cy="1957517"/>
+            <a:off x="6169153" y="3022535"/>
+            <a:ext cx="4273296" cy="3577643"/>
           </a:xfrm>
           <a:prstGeom prst="rect">
             <a:avLst/>
@@ -3844,10 +3844,10 @@
       </p:pic>
       <p:pic>
         <p:nvPicPr>
-          <p:cNvPr id="7" name="Picture 6">
-            <a:extLst>
-              <a:ext uri="{FF2B5EF4-FFF2-40B4-BE49-F238E27FC236}">
-                <a16:creationId xmlns:a16="http://schemas.microsoft.com/office/drawing/2014/main" id="{61891D67-75E6-C856-3AFD-1D4E1CED6F26}"/>
+          <p:cNvPr id="6" name="Picture 5">
+            <a:extLst>
+              <a:ext uri="{FF2B5EF4-FFF2-40B4-BE49-F238E27FC236}">
+                <a16:creationId xmlns:a16="http://schemas.microsoft.com/office/drawing/2014/main" id="{B3B0EBD2-5315-D5D9-A0B0-0B9DA1397913}"/>
               </a:ext>
             </a:extLst>
           </p:cNvPr>
@@ -3864,8 +3864,8 @@
         </p:blipFill>
         <p:spPr>
           <a:xfrm>
-            <a:off x="6169153" y="3022535"/>
-            <a:ext cx="4273296" cy="3577643"/>
+            <a:off x="1068090" y="3022535"/>
+            <a:ext cx="4577934" cy="3274047"/>
           </a:xfrm>
           <a:prstGeom prst="rect">
             <a:avLst/>
@@ -3987,10 +3987,10 @@
       </p:sp>
       <p:pic>
         <p:nvPicPr>
-          <p:cNvPr id="6" name="Picture 5">
-            <a:extLst>
-              <a:ext uri="{FF2B5EF4-FFF2-40B4-BE49-F238E27FC236}">
-                <a16:creationId xmlns:a16="http://schemas.microsoft.com/office/drawing/2014/main" id="{AF29B540-1870-E6C5-C586-512524324F1C}"/>
+          <p:cNvPr id="5" name="Picture 4">
+            <a:extLst>
+              <a:ext uri="{FF2B5EF4-FFF2-40B4-BE49-F238E27FC236}">
+                <a16:creationId xmlns:a16="http://schemas.microsoft.com/office/drawing/2014/main" id="{41539136-AB03-502B-BB4C-D5238A9F937A}"/>
               </a:ext>
             </a:extLst>
           </p:cNvPr>
@@ -4007,8 +4007,8 @@
         </p:blipFill>
         <p:spPr>
           <a:xfrm>
-            <a:off x="1039368" y="2788919"/>
-            <a:ext cx="6449568" cy="3455449"/>
+            <a:off x="1078992" y="2862657"/>
+            <a:ext cx="6492240" cy="3544140"/>
           </a:xfrm>
           <a:prstGeom prst="rect">
             <a:avLst/>

--- a/Fraud Analytics Dashboard.pptx
+++ b/Fraud Analytics Dashboard.pptx
@@ -3613,30 +3613,36 @@
           <a:p>
             <a:r>
               <a:rPr lang="en-US" dirty="0"/>
-              <a:t>Nearly half of total transactions result in Fraud and close to 50% are successful attempts</a:t>
-            </a:r>
+              <a:t>Nearly half of total transactions result in Fraud and close to 50% are </a:t>
+            </a:r>
+            <a:r>
+              <a:rPr lang="en-US"/>
+              <a:t>successful attempts.</a:t>
+            </a:r>
+            <a:endParaRPr lang="en-US" dirty="0"/>
           </a:p>
           <a:p>
             <a:r>
               <a:rPr lang="en-US" dirty="0"/>
-              <a:t>55% fraudulent transactions are on mobile</a:t>
+              <a:t>55% fraudulent transactions are on mobile.</a:t>
             </a:r>
           </a:p>
           <a:p>
             <a:r>
               <a:rPr lang="en-US" dirty="0"/>
-              <a:t>We see a higher concentration of frauds during the middle of the bandwidth of 100-150 </a:t>
-            </a:r>
-            <a:r>
-              <a:rPr lang="en-US" dirty="0" err="1"/>
-              <a:t>mbps</a:t>
-            </a:r>
-            <a:endParaRPr lang="en-US" dirty="0"/>
+              <a:t>We see a higher concentration of frauds during the middle of the bandwidth of 100-150 Mbps.</a:t>
+            </a:r>
           </a:p>
           <a:p>
             <a:r>
               <a:rPr lang="en-US" dirty="0"/>
               <a:t>One third of the fraud activities take place in US and Russia.</a:t>
+            </a:r>
+          </a:p>
+          <a:p>
+            <a:r>
+              <a:rPr lang="en-US" dirty="0"/>
+              <a:t>Total amount lost is around $183K. Lowest fraudulent amount has been $54.96 and highest is $1497.76</a:t>
             </a:r>
           </a:p>
           <a:p>
@@ -3696,14 +3702,176 @@
         </p:blipFill>
         <p:spPr>
           <a:xfrm>
-            <a:off x="960120" y="658127"/>
-            <a:ext cx="10533888" cy="5815122"/>
+            <a:off x="237744" y="1042175"/>
+            <a:ext cx="7752404" cy="4279633"/>
           </a:xfrm>
           <a:prstGeom prst="rect">
             <a:avLst/>
           </a:prstGeom>
         </p:spPr>
       </p:pic>
+      <p:pic>
+        <p:nvPicPr>
+          <p:cNvPr id="6" name="Picture 5">
+            <a:extLst>
+              <a:ext uri="{FF2B5EF4-FFF2-40B4-BE49-F238E27FC236}">
+                <a16:creationId xmlns:a16="http://schemas.microsoft.com/office/drawing/2014/main" id="{EFB06B44-A863-7D2D-366C-C1E0C1CD960D}"/>
+              </a:ext>
+            </a:extLst>
+          </p:cNvPr>
+          <p:cNvPicPr>
+            <a:picLocks noChangeAspect="1"/>
+          </p:cNvPicPr>
+          <p:nvPr/>
+        </p:nvPicPr>
+        <p:blipFill>
+          <a:blip r:embed="rId3"/>
+          <a:stretch>
+            <a:fillRect/>
+          </a:stretch>
+        </p:blipFill>
+        <p:spPr>
+          <a:xfrm>
+            <a:off x="8423848" y="1042175"/>
+            <a:ext cx="3310967" cy="5559552"/>
+          </a:xfrm>
+          <a:prstGeom prst="rect">
+            <a:avLst/>
+          </a:prstGeom>
+        </p:spPr>
+      </p:pic>
+      <p:sp>
+        <p:nvSpPr>
+          <p:cNvPr id="7" name="TextBox 6">
+            <a:extLst>
+              <a:ext uri="{FF2B5EF4-FFF2-40B4-BE49-F238E27FC236}">
+                <a16:creationId xmlns:a16="http://schemas.microsoft.com/office/drawing/2014/main" id="{86D2AA24-F34C-311F-CF6B-DA4CCD1122AD}"/>
+              </a:ext>
+            </a:extLst>
+          </p:cNvPr>
+          <p:cNvSpPr txBox="1"/>
+          <p:nvPr/>
+        </p:nvSpPr>
+        <p:spPr>
+          <a:xfrm>
+            <a:off x="237744" y="329184"/>
+            <a:ext cx="6053328" cy="769441"/>
+          </a:xfrm>
+          <a:prstGeom prst="rect">
+            <a:avLst/>
+          </a:prstGeom>
+          <a:noFill/>
+        </p:spPr>
+        <p:txBody>
+          <a:bodyPr wrap="square" rtlCol="0">
+            <a:spAutoFit/>
+          </a:bodyPr>
+          <a:lstStyle/>
+          <a:p>
+            <a:r>
+              <a:rPr lang="en-US" sz="4400" dirty="0">
+                <a:solidFill>
+                  <a:schemeClr val="accent1">
+                    <a:lumMod val="75000"/>
+                  </a:schemeClr>
+                </a:solidFill>
+              </a:rPr>
+              <a:t>Desktop View</a:t>
+            </a:r>
+            <a:endParaRPr lang="en-IN" sz="4400" dirty="0">
+              <a:solidFill>
+                <a:schemeClr val="accent1">
+                  <a:lumMod val="75000"/>
+                </a:schemeClr>
+              </a:solidFill>
+            </a:endParaRPr>
+          </a:p>
+        </p:txBody>
+      </p:sp>
+      <p:sp>
+        <p:nvSpPr>
+          <p:cNvPr id="8" name="TextBox 7">
+            <a:extLst>
+              <a:ext uri="{FF2B5EF4-FFF2-40B4-BE49-F238E27FC236}">
+                <a16:creationId xmlns:a16="http://schemas.microsoft.com/office/drawing/2014/main" id="{A1E21A72-ED7F-1683-4CAB-CF2CA2830DD9}"/>
+              </a:ext>
+            </a:extLst>
+          </p:cNvPr>
+          <p:cNvSpPr txBox="1"/>
+          <p:nvPr/>
+        </p:nvSpPr>
+        <p:spPr>
+          <a:xfrm>
+            <a:off x="8188917" y="329184"/>
+            <a:ext cx="3624072" cy="769441"/>
+          </a:xfrm>
+          <a:prstGeom prst="rect">
+            <a:avLst/>
+          </a:prstGeom>
+          <a:noFill/>
+        </p:spPr>
+        <p:txBody>
+          <a:bodyPr wrap="square" rtlCol="0">
+            <a:spAutoFit/>
+          </a:bodyPr>
+          <a:lstStyle/>
+          <a:p>
+            <a:r>
+              <a:rPr lang="en-US" sz="4400" dirty="0">
+                <a:solidFill>
+                  <a:schemeClr val="accent1">
+                    <a:lumMod val="75000"/>
+                  </a:schemeClr>
+                </a:solidFill>
+              </a:rPr>
+              <a:t>Mobile View</a:t>
+            </a:r>
+            <a:endParaRPr lang="en-IN" sz="4400" dirty="0">
+              <a:solidFill>
+                <a:schemeClr val="accent1">
+                  <a:lumMod val="75000"/>
+                </a:schemeClr>
+              </a:solidFill>
+            </a:endParaRPr>
+          </a:p>
+        </p:txBody>
+      </p:sp>
+      <p:cxnSp>
+        <p:nvCxnSpPr>
+          <p:cNvPr id="10" name="Straight Connector 9">
+            <a:extLst>
+              <a:ext uri="{FF2B5EF4-FFF2-40B4-BE49-F238E27FC236}">
+                <a16:creationId xmlns:a16="http://schemas.microsoft.com/office/drawing/2014/main" id="{2351D494-20CD-F7DC-BA01-BE2F2B681E23}"/>
+              </a:ext>
+            </a:extLst>
+          </p:cNvPr>
+          <p:cNvCxnSpPr/>
+          <p:nvPr/>
+        </p:nvCxnSpPr>
+        <p:spPr>
+          <a:xfrm>
+            <a:off x="8089532" y="128016"/>
+            <a:ext cx="0" cy="6537960"/>
+          </a:xfrm>
+          <a:prstGeom prst="line">
+            <a:avLst/>
+          </a:prstGeom>
+        </p:spPr>
+        <p:style>
+          <a:lnRef idx="1">
+            <a:schemeClr val="accent1"/>
+          </a:lnRef>
+          <a:fillRef idx="0">
+            <a:schemeClr val="accent1"/>
+          </a:fillRef>
+          <a:effectRef idx="0">
+            <a:schemeClr val="accent1"/>
+          </a:effectRef>
+          <a:fontRef idx="minor">
+            <a:schemeClr val="tx1"/>
+          </a:fontRef>
+        </p:style>
+      </p:cxnSp>
     </p:spTree>
     <p:extLst>
       <p:ext uri="{BB962C8B-B14F-4D97-AF65-F5344CB8AC3E}">

--- a/Fraud Analytics Dashboard.pptx
+++ b/Fraud Analytics Dashboard.pptx
@@ -266,7 +266,7 @@
           <a:p>
             <a:fld id="{522C7825-92DD-4B13-ACC4-21D29AA9AE67}" type="datetimeFigureOut">
               <a:rPr lang="en-IN" smtClean="0"/>
-              <a:t>26-08-2025</a:t>
+              <a:t>12-09-2025</a:t>
             </a:fld>
             <a:endParaRPr lang="en-IN"/>
           </a:p>
@@ -466,7 +466,7 @@
           <a:p>
             <a:fld id="{522C7825-92DD-4B13-ACC4-21D29AA9AE67}" type="datetimeFigureOut">
               <a:rPr lang="en-IN" smtClean="0"/>
-              <a:t>26-08-2025</a:t>
+              <a:t>12-09-2025</a:t>
             </a:fld>
             <a:endParaRPr lang="en-IN"/>
           </a:p>
@@ -676,7 +676,7 @@
           <a:p>
             <a:fld id="{522C7825-92DD-4B13-ACC4-21D29AA9AE67}" type="datetimeFigureOut">
               <a:rPr lang="en-IN" smtClean="0"/>
-              <a:t>26-08-2025</a:t>
+              <a:t>12-09-2025</a:t>
             </a:fld>
             <a:endParaRPr lang="en-IN"/>
           </a:p>
@@ -876,7 +876,7 @@
           <a:p>
             <a:fld id="{522C7825-92DD-4B13-ACC4-21D29AA9AE67}" type="datetimeFigureOut">
               <a:rPr lang="en-IN" smtClean="0"/>
-              <a:t>26-08-2025</a:t>
+              <a:t>12-09-2025</a:t>
             </a:fld>
             <a:endParaRPr lang="en-IN"/>
           </a:p>
@@ -1152,7 +1152,7 @@
           <a:p>
             <a:fld id="{522C7825-92DD-4B13-ACC4-21D29AA9AE67}" type="datetimeFigureOut">
               <a:rPr lang="en-IN" smtClean="0"/>
-              <a:t>26-08-2025</a:t>
+              <a:t>12-09-2025</a:t>
             </a:fld>
             <a:endParaRPr lang="en-IN"/>
           </a:p>
@@ -1420,7 +1420,7 @@
           <a:p>
             <a:fld id="{522C7825-92DD-4B13-ACC4-21D29AA9AE67}" type="datetimeFigureOut">
               <a:rPr lang="en-IN" smtClean="0"/>
-              <a:t>26-08-2025</a:t>
+              <a:t>12-09-2025</a:t>
             </a:fld>
             <a:endParaRPr lang="en-IN"/>
           </a:p>
@@ -1835,7 +1835,7 @@
           <a:p>
             <a:fld id="{522C7825-92DD-4B13-ACC4-21D29AA9AE67}" type="datetimeFigureOut">
               <a:rPr lang="en-IN" smtClean="0"/>
-              <a:t>26-08-2025</a:t>
+              <a:t>12-09-2025</a:t>
             </a:fld>
             <a:endParaRPr lang="en-IN"/>
           </a:p>
@@ -1977,7 +1977,7 @@
           <a:p>
             <a:fld id="{522C7825-92DD-4B13-ACC4-21D29AA9AE67}" type="datetimeFigureOut">
               <a:rPr lang="en-IN" smtClean="0"/>
-              <a:t>26-08-2025</a:t>
+              <a:t>12-09-2025</a:t>
             </a:fld>
             <a:endParaRPr lang="en-IN"/>
           </a:p>
@@ -2090,7 +2090,7 @@
           <a:p>
             <a:fld id="{522C7825-92DD-4B13-ACC4-21D29AA9AE67}" type="datetimeFigureOut">
               <a:rPr lang="en-IN" smtClean="0"/>
-              <a:t>26-08-2025</a:t>
+              <a:t>12-09-2025</a:t>
             </a:fld>
             <a:endParaRPr lang="en-IN"/>
           </a:p>
@@ -2403,7 +2403,7 @@
           <a:p>
             <a:fld id="{522C7825-92DD-4B13-ACC4-21D29AA9AE67}" type="datetimeFigureOut">
               <a:rPr lang="en-IN" smtClean="0"/>
-              <a:t>26-08-2025</a:t>
+              <a:t>12-09-2025</a:t>
             </a:fld>
             <a:endParaRPr lang="en-IN"/>
           </a:p>
@@ -2692,7 +2692,7 @@
           <a:p>
             <a:fld id="{522C7825-92DD-4B13-ACC4-21D29AA9AE67}" type="datetimeFigureOut">
               <a:rPr lang="en-IN" smtClean="0"/>
-              <a:t>26-08-2025</a:t>
+              <a:t>12-09-2025</a:t>
             </a:fld>
             <a:endParaRPr lang="en-IN"/>
           </a:p>
@@ -2935,7 +2935,7 @@
           <a:p>
             <a:fld id="{522C7825-92DD-4B13-ACC4-21D29AA9AE67}" type="datetimeFigureOut">
               <a:rPr lang="en-IN" smtClean="0"/>
-              <a:t>26-08-2025</a:t>
+              <a:t>12-09-2025</a:t>
             </a:fld>
             <a:endParaRPr lang="en-IN"/>
           </a:p>
@@ -3680,66 +3680,6 @@
           <a:chExt cx="0" cy="0"/>
         </a:xfrm>
       </p:grpSpPr>
-      <p:pic>
-        <p:nvPicPr>
-          <p:cNvPr id="3" name="Picture 2">
-            <a:extLst>
-              <a:ext uri="{FF2B5EF4-FFF2-40B4-BE49-F238E27FC236}">
-                <a16:creationId xmlns:a16="http://schemas.microsoft.com/office/drawing/2014/main" id="{E797BAD5-AAE7-9D4E-9670-880DDC445EC1}"/>
-              </a:ext>
-            </a:extLst>
-          </p:cNvPr>
-          <p:cNvPicPr>
-            <a:picLocks noChangeAspect="1"/>
-          </p:cNvPicPr>
-          <p:nvPr/>
-        </p:nvPicPr>
-        <p:blipFill>
-          <a:blip r:embed="rId2"/>
-          <a:stretch>
-            <a:fillRect/>
-          </a:stretch>
-        </p:blipFill>
-        <p:spPr>
-          <a:xfrm>
-            <a:off x="237744" y="1042175"/>
-            <a:ext cx="7752404" cy="4279633"/>
-          </a:xfrm>
-          <a:prstGeom prst="rect">
-            <a:avLst/>
-          </a:prstGeom>
-        </p:spPr>
-      </p:pic>
-      <p:pic>
-        <p:nvPicPr>
-          <p:cNvPr id="6" name="Picture 5">
-            <a:extLst>
-              <a:ext uri="{FF2B5EF4-FFF2-40B4-BE49-F238E27FC236}">
-                <a16:creationId xmlns:a16="http://schemas.microsoft.com/office/drawing/2014/main" id="{EFB06B44-A863-7D2D-366C-C1E0C1CD960D}"/>
-              </a:ext>
-            </a:extLst>
-          </p:cNvPr>
-          <p:cNvPicPr>
-            <a:picLocks noChangeAspect="1"/>
-          </p:cNvPicPr>
-          <p:nvPr/>
-        </p:nvPicPr>
-        <p:blipFill>
-          <a:blip r:embed="rId3"/>
-          <a:stretch>
-            <a:fillRect/>
-          </a:stretch>
-        </p:blipFill>
-        <p:spPr>
-          <a:xfrm>
-            <a:off x="8423848" y="1042175"/>
-            <a:ext cx="3310967" cy="5559552"/>
-          </a:xfrm>
-          <a:prstGeom prst="rect">
-            <a:avLst/>
-          </a:prstGeom>
-        </p:spPr>
-      </p:pic>
       <p:sp>
         <p:nvSpPr>
           <p:cNvPr id="7" name="TextBox 6">
@@ -3872,6 +3812,66 @@
           </a:fontRef>
         </p:style>
       </p:cxnSp>
+      <p:pic>
+        <p:nvPicPr>
+          <p:cNvPr id="4" name="Picture 3">
+            <a:extLst>
+              <a:ext uri="{FF2B5EF4-FFF2-40B4-BE49-F238E27FC236}">
+                <a16:creationId xmlns:a16="http://schemas.microsoft.com/office/drawing/2014/main" id="{C3C1580F-9707-55A3-BDB9-B6ABF474FF72}"/>
+              </a:ext>
+            </a:extLst>
+          </p:cNvPr>
+          <p:cNvPicPr>
+            <a:picLocks noChangeAspect="1"/>
+          </p:cNvPicPr>
+          <p:nvPr/>
+        </p:nvPicPr>
+        <p:blipFill>
+          <a:blip r:embed="rId2"/>
+          <a:stretch>
+            <a:fillRect/>
+          </a:stretch>
+        </p:blipFill>
+        <p:spPr>
+          <a:xfrm>
+            <a:off x="237744" y="1042175"/>
+            <a:ext cx="7718526" cy="4279633"/>
+          </a:xfrm>
+          <a:prstGeom prst="rect">
+            <a:avLst/>
+          </a:prstGeom>
+        </p:spPr>
+      </p:pic>
+      <p:pic>
+        <p:nvPicPr>
+          <p:cNvPr id="9" name="Picture 8">
+            <a:extLst>
+              <a:ext uri="{FF2B5EF4-FFF2-40B4-BE49-F238E27FC236}">
+                <a16:creationId xmlns:a16="http://schemas.microsoft.com/office/drawing/2014/main" id="{661A0EBB-91EA-B116-249D-FE0D51F270C9}"/>
+              </a:ext>
+            </a:extLst>
+          </p:cNvPr>
+          <p:cNvPicPr>
+            <a:picLocks noChangeAspect="1"/>
+          </p:cNvPicPr>
+          <p:nvPr/>
+        </p:nvPicPr>
+        <p:blipFill>
+          <a:blip r:embed="rId3"/>
+          <a:stretch>
+            <a:fillRect/>
+          </a:stretch>
+        </p:blipFill>
+        <p:spPr>
+          <a:xfrm>
+            <a:off x="8291306" y="994195"/>
+            <a:ext cx="3147837" cy="5634802"/>
+          </a:xfrm>
+          <a:prstGeom prst="rect">
+            <a:avLst/>
+          </a:prstGeom>
+        </p:spPr>
+      </p:pic>
     </p:spTree>
     <p:extLst>
       <p:ext uri="{BB962C8B-B14F-4D97-AF65-F5344CB8AC3E}">
